--- a/input/content/aI-in-banks.pptx
+++ b/input/content/aI-in-banks.pptx
@@ -6156,9 +6156,9 @@
         <p:grpSpPr>
           <a:xfrm>
             <a:off x="338950" y="4663225"/>
-            <a:ext cx="1068725" cy="338700"/>
+            <a:ext cx="1434125" cy="338700"/>
             <a:chOff x="338950" y="4663225"/>
-            <a:chExt cx="1068725" cy="338700"/>
+            <a:chExt cx="1434125" cy="338700"/>
           </a:xfrm>
         </p:grpSpPr>
         <p:pic>
@@ -6198,7 +6198,7 @@
           <p:spPr>
             <a:xfrm>
               <a:off x="534375" y="4663225"/>
-              <a:ext cx="873300" cy="338700"/>
+              <a:ext cx="1238700" cy="338700"/>
             </a:xfrm>
             <a:prstGeom prst="rect">
               <a:avLst/>
